--- a/img/快速製作圖案.pptx
+++ b/img/快速製作圖案.pptx
@@ -6,6 +6,7 @@
   </p:sldMasterIdLst>
   <p:sldIdLst>
     <p:sldId id="256" r:id="rId2"/>
+    <p:sldId id="257" r:id="rId3"/>
   </p:sldIdLst>
   <p:sldSz cx="12192000" cy="6858000"/>
   <p:notesSz cx="6858000" cy="9144000"/>
@@ -104,6 +105,11 @@
       </a:defRPr>
     </a:lvl9pPr>
   </p:defaultTextStyle>
+  <p:extLst>
+    <p:ext uri="{EFAFB233-063F-42B5-8137-9DF3F51BA10A}">
+      <p15:sldGuideLst xmlns:p15="http://schemas.microsoft.com/office/powerpoint/2012/main"/>
+    </p:ext>
+  </p:extLst>
 </p:presentation>
 </file>
 
@@ -254,7 +260,7 @@
           <a:p>
             <a:fld id="{8009328E-A611-234F-8442-65D102A9B127}" type="datetimeFigureOut">
               <a:rPr kumimoji="1" lang="zh-TW" altLang="en-US" smtClean="0"/>
-              <a:t>2020/10/31</a:t>
+              <a:t>2020/11/4</a:t>
             </a:fld>
             <a:endParaRPr kumimoji="1" lang="zh-TW" altLang="en-US"/>
           </a:p>
@@ -452,7 +458,7 @@
           <a:p>
             <a:fld id="{8009328E-A611-234F-8442-65D102A9B127}" type="datetimeFigureOut">
               <a:rPr kumimoji="1" lang="zh-TW" altLang="en-US" smtClean="0"/>
-              <a:t>2020/10/31</a:t>
+              <a:t>2020/11/4</a:t>
             </a:fld>
             <a:endParaRPr kumimoji="1" lang="zh-TW" altLang="en-US"/>
           </a:p>
@@ -660,7 +666,7 @@
           <a:p>
             <a:fld id="{8009328E-A611-234F-8442-65D102A9B127}" type="datetimeFigureOut">
               <a:rPr kumimoji="1" lang="zh-TW" altLang="en-US" smtClean="0"/>
-              <a:t>2020/10/31</a:t>
+              <a:t>2020/11/4</a:t>
             </a:fld>
             <a:endParaRPr kumimoji="1" lang="zh-TW" altLang="en-US"/>
           </a:p>
@@ -858,7 +864,7 @@
           <a:p>
             <a:fld id="{8009328E-A611-234F-8442-65D102A9B127}" type="datetimeFigureOut">
               <a:rPr kumimoji="1" lang="zh-TW" altLang="en-US" smtClean="0"/>
-              <a:t>2020/10/31</a:t>
+              <a:t>2020/11/4</a:t>
             </a:fld>
             <a:endParaRPr kumimoji="1" lang="zh-TW" altLang="en-US"/>
           </a:p>
@@ -1133,7 +1139,7 @@
           <a:p>
             <a:fld id="{8009328E-A611-234F-8442-65D102A9B127}" type="datetimeFigureOut">
               <a:rPr kumimoji="1" lang="zh-TW" altLang="en-US" smtClean="0"/>
-              <a:t>2020/10/31</a:t>
+              <a:t>2020/11/4</a:t>
             </a:fld>
             <a:endParaRPr kumimoji="1" lang="zh-TW" altLang="en-US"/>
           </a:p>
@@ -1398,7 +1404,7 @@
           <a:p>
             <a:fld id="{8009328E-A611-234F-8442-65D102A9B127}" type="datetimeFigureOut">
               <a:rPr kumimoji="1" lang="zh-TW" altLang="en-US" smtClean="0"/>
-              <a:t>2020/10/31</a:t>
+              <a:t>2020/11/4</a:t>
             </a:fld>
             <a:endParaRPr kumimoji="1" lang="zh-TW" altLang="en-US"/>
           </a:p>
@@ -1810,7 +1816,7 @@
           <a:p>
             <a:fld id="{8009328E-A611-234F-8442-65D102A9B127}" type="datetimeFigureOut">
               <a:rPr kumimoji="1" lang="zh-TW" altLang="en-US" smtClean="0"/>
-              <a:t>2020/10/31</a:t>
+              <a:t>2020/11/4</a:t>
             </a:fld>
             <a:endParaRPr kumimoji="1" lang="zh-TW" altLang="en-US"/>
           </a:p>
@@ -1951,7 +1957,7 @@
           <a:p>
             <a:fld id="{8009328E-A611-234F-8442-65D102A9B127}" type="datetimeFigureOut">
               <a:rPr kumimoji="1" lang="zh-TW" altLang="en-US" smtClean="0"/>
-              <a:t>2020/10/31</a:t>
+              <a:t>2020/11/4</a:t>
             </a:fld>
             <a:endParaRPr kumimoji="1" lang="zh-TW" altLang="en-US"/>
           </a:p>
@@ -2064,7 +2070,7 @@
           <a:p>
             <a:fld id="{8009328E-A611-234F-8442-65D102A9B127}" type="datetimeFigureOut">
               <a:rPr kumimoji="1" lang="zh-TW" altLang="en-US" smtClean="0"/>
-              <a:t>2020/10/31</a:t>
+              <a:t>2020/11/4</a:t>
             </a:fld>
             <a:endParaRPr kumimoji="1" lang="zh-TW" altLang="en-US"/>
           </a:p>
@@ -2375,7 +2381,7 @@
           <a:p>
             <a:fld id="{8009328E-A611-234F-8442-65D102A9B127}" type="datetimeFigureOut">
               <a:rPr kumimoji="1" lang="zh-TW" altLang="en-US" smtClean="0"/>
-              <a:t>2020/10/31</a:t>
+              <a:t>2020/11/4</a:t>
             </a:fld>
             <a:endParaRPr kumimoji="1" lang="zh-TW" altLang="en-US"/>
           </a:p>
@@ -2663,7 +2669,7 @@
           <a:p>
             <a:fld id="{8009328E-A611-234F-8442-65D102A9B127}" type="datetimeFigureOut">
               <a:rPr kumimoji="1" lang="zh-TW" altLang="en-US" smtClean="0"/>
-              <a:t>2020/10/31</a:t>
+              <a:t>2020/11/4</a:t>
             </a:fld>
             <a:endParaRPr kumimoji="1" lang="zh-TW" altLang="en-US"/>
           </a:p>
@@ -2904,7 +2910,7 @@
           <a:p>
             <a:fld id="{8009328E-A611-234F-8442-65D102A9B127}" type="datetimeFigureOut">
               <a:rPr kumimoji="1" lang="zh-TW" altLang="en-US" smtClean="0"/>
-              <a:t>2020/10/31</a:t>
+              <a:t>2020/11/4</a:t>
             </a:fld>
             <a:endParaRPr kumimoji="1" lang="zh-TW" altLang="en-US"/>
           </a:p>
@@ -3335,7 +3341,7 @@
         </p:nvGrpSpPr>
         <p:grpSpPr>
           <a:xfrm>
-            <a:off x="1455313" y="580735"/>
+            <a:off x="-6081559" y="390179"/>
             <a:ext cx="7675808" cy="6077642"/>
             <a:chOff x="1455313" y="580735"/>
             <a:chExt cx="7675808" cy="6077642"/>
@@ -3575,10 +3581,197 @@
           </p:txBody>
         </p:sp>
       </p:grpSp>
+      <p:sp>
+        <p:nvSpPr>
+          <p:cNvPr id="2" name="雲形 1">
+            <a:extLst>
+              <a:ext uri="{FF2B5EF4-FFF2-40B4-BE49-F238E27FC236}">
+                <a16:creationId xmlns:a16="http://schemas.microsoft.com/office/drawing/2014/main" id="{0550A7F0-ACF3-6B46-BDA5-5E1011C4AAEF}"/>
+              </a:ext>
+            </a:extLst>
+          </p:cNvPr>
+          <p:cNvSpPr/>
+          <p:nvPr/>
+        </p:nvSpPr>
+        <p:spPr>
+          <a:xfrm>
+            <a:off x="2881745" y="-23035"/>
+            <a:ext cx="15433964" cy="9482037"/>
+          </a:xfrm>
+          <a:prstGeom prst="cloud">
+            <a:avLst/>
+          </a:prstGeom>
+        </p:spPr>
+        <p:style>
+          <a:lnRef idx="2">
+            <a:schemeClr val="accent1">
+              <a:shade val="50000"/>
+            </a:schemeClr>
+          </a:lnRef>
+          <a:fillRef idx="1">
+            <a:schemeClr val="accent1"/>
+          </a:fillRef>
+          <a:effectRef idx="0">
+            <a:schemeClr val="accent1"/>
+          </a:effectRef>
+          <a:fontRef idx="minor">
+            <a:schemeClr val="lt1"/>
+          </a:fontRef>
+        </p:style>
+        <p:txBody>
+          <a:bodyPr rtlCol="0" anchor="ctr"/>
+          <a:lstStyle/>
+          <a:p>
+            <a:pPr algn="ctr"/>
+            <a:endParaRPr kumimoji="1" lang="zh-TW" altLang="en-US"/>
+          </a:p>
+        </p:txBody>
+      </p:sp>
     </p:spTree>
     <p:extLst>
       <p:ext uri="{BB962C8B-B14F-4D97-AF65-F5344CB8AC3E}">
         <p14:creationId xmlns:p14="http://schemas.microsoft.com/office/powerpoint/2010/main" val="195994631"/>
+      </p:ext>
+    </p:extLst>
+  </p:cSld>
+  <p:clrMapOvr>
+    <a:masterClrMapping/>
+  </p:clrMapOvr>
+</p:sld>
+</file>
+
+<file path=ppt/slides/slide2.xml><?xml version="1.0" encoding="utf-8"?>
+<p:sld xmlns:a="http://schemas.openxmlformats.org/drawingml/2006/main" xmlns:r="http://schemas.openxmlformats.org/officeDocument/2006/relationships" xmlns:p="http://schemas.openxmlformats.org/presentationml/2006/main">
+  <p:cSld>
+    <p:spTree>
+      <p:nvGrpSpPr>
+        <p:cNvPr id="1" name=""/>
+        <p:cNvGrpSpPr/>
+        <p:nvPr/>
+      </p:nvGrpSpPr>
+      <p:grpSpPr>
+        <a:xfrm>
+          <a:off x="0" y="0"/>
+          <a:ext cx="0" cy="0"/>
+          <a:chOff x="0" y="0"/>
+          <a:chExt cx="0" cy="0"/>
+        </a:xfrm>
+      </p:grpSpPr>
+      <p:grpSp>
+        <p:nvGrpSpPr>
+          <p:cNvPr id="10" name="群組 9">
+            <a:extLst>
+              <a:ext uri="{FF2B5EF4-FFF2-40B4-BE49-F238E27FC236}">
+                <a16:creationId xmlns:a16="http://schemas.microsoft.com/office/drawing/2014/main" id="{4FBB9D03-4892-F649-B61C-C0755D0D257F}"/>
+              </a:ext>
+            </a:extLst>
+          </p:cNvPr>
+          <p:cNvGrpSpPr/>
+          <p:nvPr/>
+        </p:nvGrpSpPr>
+        <p:grpSpPr>
+          <a:xfrm>
+            <a:off x="-33547043" y="-19624708"/>
+            <a:ext cx="51965671" cy="46356096"/>
+            <a:chOff x="-1412414" y="1275864"/>
+            <a:chExt cx="9901545" cy="8832696"/>
+          </a:xfrm>
+        </p:grpSpPr>
+        <p:pic>
+          <p:nvPicPr>
+            <p:cNvPr id="5" name="圖片 4" descr="一張含有 文字 的圖片&#10;&#10;自動產生的描述">
+              <a:extLst>
+                <a:ext uri="{FF2B5EF4-FFF2-40B4-BE49-F238E27FC236}">
+                  <a16:creationId xmlns:a16="http://schemas.microsoft.com/office/drawing/2014/main" id="{188AC990-FF81-0C4D-8AD4-FDE59AC1337E}"/>
+                </a:ext>
+              </a:extLst>
+            </p:cNvPr>
+            <p:cNvPicPr>
+              <a:picLocks noChangeAspect="1"/>
+            </p:cNvPicPr>
+            <p:nvPr/>
+          </p:nvPicPr>
+          <p:blipFill>
+            <a:blip r:embed="rId2"/>
+            <a:stretch>
+              <a:fillRect/>
+            </a:stretch>
+          </p:blipFill>
+          <p:spPr>
+            <a:xfrm>
+              <a:off x="-1412414" y="5582134"/>
+              <a:ext cx="9086886" cy="4526426"/>
+            </a:xfrm>
+            <a:prstGeom prst="rect">
+              <a:avLst/>
+            </a:prstGeom>
+          </p:spPr>
+        </p:pic>
+        <p:pic>
+          <p:nvPicPr>
+            <p:cNvPr id="7" name="圖片 6">
+              <a:extLst>
+                <a:ext uri="{FF2B5EF4-FFF2-40B4-BE49-F238E27FC236}">
+                  <a16:creationId xmlns:a16="http://schemas.microsoft.com/office/drawing/2014/main" id="{86DD10A0-63FB-6E43-A38C-5F2A62E84D24}"/>
+                </a:ext>
+              </a:extLst>
+            </p:cNvPr>
+            <p:cNvPicPr>
+              <a:picLocks noChangeAspect="1"/>
+            </p:cNvPicPr>
+            <p:nvPr/>
+          </p:nvPicPr>
+          <p:blipFill>
+            <a:blip r:embed="rId3"/>
+            <a:stretch>
+              <a:fillRect/>
+            </a:stretch>
+          </p:blipFill>
+          <p:spPr>
+            <a:xfrm>
+              <a:off x="4655369" y="1275864"/>
+              <a:ext cx="3833762" cy="4306270"/>
+            </a:xfrm>
+            <a:prstGeom prst="rect">
+              <a:avLst/>
+            </a:prstGeom>
+          </p:spPr>
+        </p:pic>
+        <p:pic>
+          <p:nvPicPr>
+            <p:cNvPr id="9" name="圖片 8" descr="一張含有 文字 的圖片&#10;&#10;自動產生的描述">
+              <a:extLst>
+                <a:ext uri="{FF2B5EF4-FFF2-40B4-BE49-F238E27FC236}">
+                  <a16:creationId xmlns:a16="http://schemas.microsoft.com/office/drawing/2014/main" id="{BE5092A0-FBF3-2342-82FE-DAEE3F696475}"/>
+                </a:ext>
+              </a:extLst>
+            </p:cNvPr>
+            <p:cNvPicPr>
+              <a:picLocks noChangeAspect="1"/>
+            </p:cNvPicPr>
+            <p:nvPr/>
+          </p:nvPicPr>
+          <p:blipFill>
+            <a:blip r:embed="rId4"/>
+            <a:stretch>
+              <a:fillRect/>
+            </a:stretch>
+          </p:blipFill>
+          <p:spPr>
+            <a:xfrm>
+              <a:off x="-1412414" y="1275865"/>
+              <a:ext cx="5929944" cy="4306269"/>
+            </a:xfrm>
+            <a:prstGeom prst="rect">
+              <a:avLst/>
+            </a:prstGeom>
+          </p:spPr>
+        </p:pic>
+      </p:grpSp>
+    </p:spTree>
+    <p:extLst>
+      <p:ext uri="{BB962C8B-B14F-4D97-AF65-F5344CB8AC3E}">
+        <p14:creationId xmlns:p14="http://schemas.microsoft.com/office/powerpoint/2010/main" val="583048252"/>
       </p:ext>
     </p:extLst>
   </p:cSld>
